--- a/SpringCloud Introduce.pptx
+++ b/SpringCloud Introduce.pptx
@@ -116,6 +116,11 @@
       </a:defRPr>
     </a:lvl9pPr>
   </p:defaultTextStyle>
+  <p:extLst>
+    <p:ext uri="{EFAFB233-063F-42B5-8137-9DF3F51BA10A}">
+      <p15:sldGuideLst xmlns:p15="http://schemas.microsoft.com/office/powerpoint/2012/main"/>
+    </p:ext>
+  </p:extLst>
 </p:presentation>
 </file>
 
@@ -250,7 +255,7 @@
           <a:p>
             <a:fld id="{5458FDDC-4C60-4195-89EF-C0C2590974CF}" type="datetimeFigureOut">
               <a:rPr lang="zh-CN" altLang="en-US" smtClean="0"/>
-              <a:t>2017/7/17</a:t>
+              <a:t>2017/7/19</a:t>
             </a:fld>
             <a:endParaRPr lang="zh-CN" altLang="en-US"/>
           </a:p>
@@ -420,7 +425,7 @@
           <a:p>
             <a:fld id="{5458FDDC-4C60-4195-89EF-C0C2590974CF}" type="datetimeFigureOut">
               <a:rPr lang="zh-CN" altLang="en-US" smtClean="0"/>
-              <a:t>2017/7/17</a:t>
+              <a:t>2017/7/19</a:t>
             </a:fld>
             <a:endParaRPr lang="zh-CN" altLang="en-US"/>
           </a:p>
@@ -600,7 +605,7 @@
           <a:p>
             <a:fld id="{5458FDDC-4C60-4195-89EF-C0C2590974CF}" type="datetimeFigureOut">
               <a:rPr lang="zh-CN" altLang="en-US" smtClean="0"/>
-              <a:t>2017/7/17</a:t>
+              <a:t>2017/7/19</a:t>
             </a:fld>
             <a:endParaRPr lang="zh-CN" altLang="en-US"/>
           </a:p>
@@ -770,7 +775,7 @@
           <a:p>
             <a:fld id="{5458FDDC-4C60-4195-89EF-C0C2590974CF}" type="datetimeFigureOut">
               <a:rPr lang="zh-CN" altLang="en-US" smtClean="0"/>
-              <a:t>2017/7/17</a:t>
+              <a:t>2017/7/19</a:t>
             </a:fld>
             <a:endParaRPr lang="zh-CN" altLang="en-US"/>
           </a:p>
@@ -1016,7 +1021,7 @@
           <a:p>
             <a:fld id="{5458FDDC-4C60-4195-89EF-C0C2590974CF}" type="datetimeFigureOut">
               <a:rPr lang="zh-CN" altLang="en-US" smtClean="0"/>
-              <a:t>2017/7/17</a:t>
+              <a:t>2017/7/19</a:t>
             </a:fld>
             <a:endParaRPr lang="zh-CN" altLang="en-US"/>
           </a:p>
@@ -1248,7 +1253,7 @@
           <a:p>
             <a:fld id="{5458FDDC-4C60-4195-89EF-C0C2590974CF}" type="datetimeFigureOut">
               <a:rPr lang="zh-CN" altLang="en-US" smtClean="0"/>
-              <a:t>2017/7/17</a:t>
+              <a:t>2017/7/19</a:t>
             </a:fld>
             <a:endParaRPr lang="zh-CN" altLang="en-US"/>
           </a:p>
@@ -1615,7 +1620,7 @@
           <a:p>
             <a:fld id="{5458FDDC-4C60-4195-89EF-C0C2590974CF}" type="datetimeFigureOut">
               <a:rPr lang="zh-CN" altLang="en-US" smtClean="0"/>
-              <a:t>2017/7/17</a:t>
+              <a:t>2017/7/19</a:t>
             </a:fld>
             <a:endParaRPr lang="zh-CN" altLang="en-US"/>
           </a:p>
@@ -1733,7 +1738,7 @@
           <a:p>
             <a:fld id="{5458FDDC-4C60-4195-89EF-C0C2590974CF}" type="datetimeFigureOut">
               <a:rPr lang="zh-CN" altLang="en-US" smtClean="0"/>
-              <a:t>2017/7/17</a:t>
+              <a:t>2017/7/19</a:t>
             </a:fld>
             <a:endParaRPr lang="zh-CN" altLang="en-US"/>
           </a:p>
@@ -1828,7 +1833,7 @@
           <a:p>
             <a:fld id="{5458FDDC-4C60-4195-89EF-C0C2590974CF}" type="datetimeFigureOut">
               <a:rPr lang="zh-CN" altLang="en-US" smtClean="0"/>
-              <a:t>2017/7/17</a:t>
+              <a:t>2017/7/19</a:t>
             </a:fld>
             <a:endParaRPr lang="zh-CN" altLang="en-US"/>
           </a:p>
@@ -2105,7 +2110,7 @@
           <a:p>
             <a:fld id="{5458FDDC-4C60-4195-89EF-C0C2590974CF}" type="datetimeFigureOut">
               <a:rPr lang="zh-CN" altLang="en-US" smtClean="0"/>
-              <a:t>2017/7/17</a:t>
+              <a:t>2017/7/19</a:t>
             </a:fld>
             <a:endParaRPr lang="zh-CN" altLang="en-US"/>
           </a:p>
@@ -2358,7 +2363,7 @@
           <a:p>
             <a:fld id="{5458FDDC-4C60-4195-89EF-C0C2590974CF}" type="datetimeFigureOut">
               <a:rPr lang="zh-CN" altLang="en-US" smtClean="0"/>
-              <a:t>2017/7/17</a:t>
+              <a:t>2017/7/19</a:t>
             </a:fld>
             <a:endParaRPr lang="zh-CN" altLang="en-US"/>
           </a:p>
@@ -2571,7 +2576,7 @@
           <a:p>
             <a:fld id="{5458FDDC-4C60-4195-89EF-C0C2590974CF}" type="datetimeFigureOut">
               <a:rPr lang="zh-CN" altLang="en-US" smtClean="0"/>
-              <a:t>2017/7/17</a:t>
+              <a:t>2017/7/19</a:t>
             </a:fld>
             <a:endParaRPr lang="zh-CN" altLang="en-US"/>
           </a:p>
@@ -3412,7 +3417,9 @@
       </p:sp>
       <p:pic>
         <p:nvPicPr>
-          <p:cNvPr id="5" name="内容占位符 4"/>
+          <p:cNvPr id="7" name="内容占位符 6">
+            <a:hlinkClick r:id="rId2" action="ppaction://hlinkfile"/>
+          </p:cNvPr>
           <p:cNvPicPr>
             <a:picLocks noGrp="1" noChangeAspect="1"/>
           </p:cNvPicPr>
@@ -3421,15 +3428,15 @@
           </p:nvPr>
         </p:nvPicPr>
         <p:blipFill>
-          <a:blip r:embed="rId2"/>
+          <a:blip r:embed="rId3"/>
           <a:stretch>
             <a:fillRect/>
           </a:stretch>
         </p:blipFill>
         <p:spPr>
           <a:xfrm>
-            <a:off x="1378315" y="1825625"/>
-            <a:ext cx="9435370" cy="4351338"/>
+            <a:off x="992777" y="1037789"/>
+            <a:ext cx="8849773" cy="5139174"/>
           </a:xfrm>
           <a:prstGeom prst="rect">
             <a:avLst/>
